--- a/001 Documentation/LCastaneda - Final Project Presentation.pptx
+++ b/001 Documentation/LCastaneda - Final Project Presentation.pptx
@@ -14,7 +14,7 @@
     <p:sldId id="261" r:id="rId8"/>
     <p:sldId id="262" r:id="rId9"/>
     <p:sldId id="264" r:id="rId10"/>
-    <p:sldId id="263" r:id="rId11"/>
+    <p:sldId id="268" r:id="rId11"/>
     <p:sldId id="265" r:id="rId12"/>
   </p:sldIdLst>
   <p:sldSz cx="12192000" cy="6858000"/>
@@ -3698,7 +3698,7 @@
           <a:p>
             <a:fld id="{3061F4CD-FE0E-42FB-B7ED-E38BC88EFD24}" type="datetimeFigureOut">
               <a:rPr lang="en-US" smtClean="0"/>
-              <a:t>11/21/2022</a:t>
+              <a:t>11/24/2022</a:t>
             </a:fld>
             <a:endParaRPr lang="en-US"/>
           </a:p>
@@ -3906,7 +3906,7 @@
           <a:p>
             <a:fld id="{3061F4CD-FE0E-42FB-B7ED-E38BC88EFD24}" type="datetimeFigureOut">
               <a:rPr lang="en-US" smtClean="0"/>
-              <a:t>11/21/2022</a:t>
+              <a:t>11/24/2022</a:t>
             </a:fld>
             <a:endParaRPr lang="en-US"/>
           </a:p>
@@ -4162,7 +4162,7 @@
           <a:p>
             <a:fld id="{3061F4CD-FE0E-42FB-B7ED-E38BC88EFD24}" type="datetimeFigureOut">
               <a:rPr lang="en-US" smtClean="0"/>
-              <a:t>11/21/2022</a:t>
+              <a:t>11/24/2022</a:t>
             </a:fld>
             <a:endParaRPr lang="en-US"/>
           </a:p>
@@ -4336,7 +4336,7 @@
           <a:p>
             <a:fld id="{3061F4CD-FE0E-42FB-B7ED-E38BC88EFD24}" type="datetimeFigureOut">
               <a:rPr lang="en-US" smtClean="0"/>
-              <a:t>11/21/2022</a:t>
+              <a:t>11/24/2022</a:t>
             </a:fld>
             <a:endParaRPr lang="en-US"/>
           </a:p>
@@ -4679,7 +4679,7 @@
           <a:p>
             <a:fld id="{3061F4CD-FE0E-42FB-B7ED-E38BC88EFD24}" type="datetimeFigureOut">
               <a:rPr lang="en-US" smtClean="0"/>
-              <a:t>11/21/2022</a:t>
+              <a:t>11/24/2022</a:t>
             </a:fld>
             <a:endParaRPr lang="en-US"/>
           </a:p>
@@ -4954,7 +4954,7 @@
           <a:p>
             <a:fld id="{3061F4CD-FE0E-42FB-B7ED-E38BC88EFD24}" type="datetimeFigureOut">
               <a:rPr lang="en-US" smtClean="0"/>
-              <a:t>11/21/2022</a:t>
+              <a:t>11/24/2022</a:t>
             </a:fld>
             <a:endParaRPr lang="en-US"/>
           </a:p>
@@ -5333,7 +5333,7 @@
           <a:p>
             <a:fld id="{3061F4CD-FE0E-42FB-B7ED-E38BC88EFD24}" type="datetimeFigureOut">
               <a:rPr lang="en-US" smtClean="0"/>
-              <a:t>11/21/2022</a:t>
+              <a:t>11/24/2022</a:t>
             </a:fld>
             <a:endParaRPr lang="en-US"/>
           </a:p>
@@ -5451,7 +5451,7 @@
           <a:p>
             <a:fld id="{3061F4CD-FE0E-42FB-B7ED-E38BC88EFD24}" type="datetimeFigureOut">
               <a:rPr lang="en-US" smtClean="0"/>
-              <a:t>11/21/2022</a:t>
+              <a:t>11/24/2022</a:t>
             </a:fld>
             <a:endParaRPr lang="en-US"/>
           </a:p>
@@ -5622,7 +5622,7 @@
           <a:p>
             <a:fld id="{3061F4CD-FE0E-42FB-B7ED-E38BC88EFD24}" type="datetimeFigureOut">
               <a:rPr lang="en-US" smtClean="0"/>
-              <a:t>11/21/2022</a:t>
+              <a:t>11/24/2022</a:t>
             </a:fld>
             <a:endParaRPr lang="en-US"/>
           </a:p>
@@ -5976,7 +5976,7 @@
           <a:p>
             <a:fld id="{3061F4CD-FE0E-42FB-B7ED-E38BC88EFD24}" type="datetimeFigureOut">
               <a:rPr lang="en-US" smtClean="0"/>
-              <a:t>11/21/2022</a:t>
+              <a:t>11/24/2022</a:t>
             </a:fld>
             <a:endParaRPr lang="en-US"/>
           </a:p>
@@ -6358,7 +6358,7 @@
           <a:p>
             <a:fld id="{3061F4CD-FE0E-42FB-B7ED-E38BC88EFD24}" type="datetimeFigureOut">
               <a:rPr lang="en-US" smtClean="0"/>
-              <a:t>11/21/2022</a:t>
+              <a:t>11/24/2022</a:t>
             </a:fld>
             <a:endParaRPr lang="en-US"/>
           </a:p>
@@ -6645,7 +6645,7 @@
           <a:p>
             <a:fld id="{3061F4CD-FE0E-42FB-B7ED-E38BC88EFD24}" type="datetimeFigureOut">
               <a:rPr lang="en-US" smtClean="0"/>
-              <a:t>11/21/2022</a:t>
+              <a:t>11/24/2022</a:t>
             </a:fld>
             <a:endParaRPr lang="en-US"/>
           </a:p>
@@ -7535,14 +7535,6 @@
 <file path=ppt/slides/slide10.xml><?xml version="1.0" encoding="utf-8"?>
 <p:sld xmlns:a="http://schemas.openxmlformats.org/drawingml/2006/main" xmlns:r="http://schemas.openxmlformats.org/officeDocument/2006/relationships" xmlns:p="http://schemas.openxmlformats.org/presentationml/2006/main">
   <p:cSld>
-    <p:bg>
-      <p:bgPr>
-        <a:solidFill>
-          <a:schemeClr val="bg1"/>
-        </a:solidFill>
-        <a:effectLst/>
-      </p:bgPr>
-    </p:bg>
     <p:spTree>
       <p:nvGrpSpPr>
         <p:cNvPr id="1" name=""/>
@@ -7559,203 +7551,535 @@
       </p:grpSpPr>
       <p:sp>
         <p:nvSpPr>
-          <p:cNvPr id="38" name="Rectangle 26">
+          <p:cNvPr id="2" name="Title 1">
             <a:extLst>
               <a:ext uri="{FF2B5EF4-FFF2-40B4-BE49-F238E27FC236}">
-                <a16:creationId xmlns:a16="http://schemas.microsoft.com/office/drawing/2014/main" id="{4E4490D0-3672-446A-AC12-B4830333BDDD}"/>
-              </a:ext>
-              <a:ext uri="{C183D7F6-B498-43B3-948B-1728B52AA6E4}">
-                <adec:decorative xmlns:adec="http://schemas.microsoft.com/office/drawing/2017/decorative" val="1"/>
+                <a16:creationId xmlns:a16="http://schemas.microsoft.com/office/drawing/2014/main" id="{AD9E2AB0-228D-4CF3-A689-ED8D5CAD058A}"/>
               </a:ext>
             </a:extLst>
           </p:cNvPr>
           <p:cNvSpPr>
-            <a:spLocks noGrp="1" noRot="1" noChangeAspect="1" noMove="1" noResize="1" noEditPoints="1" noAdjustHandles="1" noChangeArrowheads="1" noChangeShapeType="1" noTextEdit="1"/>
+            <a:spLocks noGrp="1"/>
           </p:cNvSpPr>
           <p:nvPr>
+            <p:ph type="title"/>
+          </p:nvPr>
+        </p:nvSpPr>
+        <p:spPr/>
+        <p:txBody>
+          <a:bodyPr/>
+          <a:lstStyle/>
+          <a:p>
+            <a:r>
+              <a:rPr lang="en-US" dirty="0"/>
+              <a:t>VI. Results</a:t>
+            </a:r>
+          </a:p>
+        </p:txBody>
+      </p:sp>
+      <p:graphicFrame>
+        <p:nvGraphicFramePr>
+          <p:cNvPr id="4" name="Table 4">
+            <a:extLst>
+              <a:ext uri="{FF2B5EF4-FFF2-40B4-BE49-F238E27FC236}">
+                <a16:creationId xmlns:a16="http://schemas.microsoft.com/office/drawing/2014/main" id="{126E1EA0-B9E9-498F-A3F1-08F95F4D8E76}"/>
+              </a:ext>
+            </a:extLst>
+          </p:cNvPr>
+          <p:cNvGraphicFramePr>
+            <a:graphicFrameLocks noGrp="1"/>
+          </p:cNvGraphicFramePr>
+          <p:nvPr>
+            <p:ph idx="1"/>
             <p:extLst>
-              <p:ext uri="{386F3935-93C4-4BCD-93E2-E3B085C9AB24}">
-                <p16:designElem xmlns:p16="http://schemas.microsoft.com/office/powerpoint/2015/main" val="1"/>
+              <p:ext uri="{D42A27DB-BD31-4B8C-83A1-F6EECF244321}">
+                <p14:modId xmlns:p14="http://schemas.microsoft.com/office/powerpoint/2010/main" val="937546776"/>
               </p:ext>
             </p:extLst>
           </p:nvPr>
-        </p:nvSpPr>
+        </p:nvGraphicFramePr>
+        <p:xfrm>
+          <a:off x="1096962" y="1846263"/>
+          <a:ext cx="6378615" cy="1589807"/>
+        </p:xfrm>
+        <a:graphic>
+          <a:graphicData uri="http://schemas.openxmlformats.org/drawingml/2006/table">
+            <a:tbl>
+              <a:tblPr firstRow="1" bandRow="1">
+                <a:tableStyleId>{5C22544A-7EE6-4342-B048-85BDC9FD1C3A}</a:tableStyleId>
+              </a:tblPr>
+              <a:tblGrid>
+                <a:gridCol w="1594654">
+                  <a:extLst>
+                    <a:ext uri="{9D8B030D-6E8A-4147-A177-3AD203B41FA5}">
+                      <a16:colId xmlns:a16="http://schemas.microsoft.com/office/drawing/2014/main" val="3307804158"/>
+                    </a:ext>
+                  </a:extLst>
+                </a:gridCol>
+                <a:gridCol w="1148398">
+                  <a:extLst>
+                    <a:ext uri="{9D8B030D-6E8A-4147-A177-3AD203B41FA5}">
+                      <a16:colId xmlns:a16="http://schemas.microsoft.com/office/drawing/2014/main" val="4224859167"/>
+                    </a:ext>
+                  </a:extLst>
+                </a:gridCol>
+                <a:gridCol w="994176">
+                  <a:extLst>
+                    <a:ext uri="{9D8B030D-6E8A-4147-A177-3AD203B41FA5}">
+                      <a16:colId xmlns:a16="http://schemas.microsoft.com/office/drawing/2014/main" val="3031238258"/>
+                    </a:ext>
+                  </a:extLst>
+                </a:gridCol>
+                <a:gridCol w="2641387">
+                  <a:extLst>
+                    <a:ext uri="{9D8B030D-6E8A-4147-A177-3AD203B41FA5}">
+                      <a16:colId xmlns:a16="http://schemas.microsoft.com/office/drawing/2014/main" val="1540863113"/>
+                    </a:ext>
+                  </a:extLst>
+                </a:gridCol>
+              </a:tblGrid>
+              <a:tr h="251158">
+                <a:tc>
+                  <a:txBody>
+                    <a:bodyPr/>
+                    <a:lstStyle/>
+                    <a:p>
+                      <a:r>
+                        <a:rPr lang="en-US" sz="1200" dirty="0"/>
+                        <a:t>Test Mode Service</a:t>
+                      </a:r>
+                    </a:p>
+                  </a:txBody>
+                  <a:tcPr/>
+                </a:tc>
+                <a:tc>
+                  <a:txBody>
+                    <a:bodyPr/>
+                    <a:lstStyle/>
+                    <a:p>
+                      <a:r>
+                        <a:rPr lang="en-US" sz="1200" dirty="0"/>
+                        <a:t>Test Name</a:t>
+                      </a:r>
+                    </a:p>
+                  </a:txBody>
+                  <a:tcPr/>
+                </a:tc>
+                <a:tc>
+                  <a:txBody>
+                    <a:bodyPr/>
+                    <a:lstStyle/>
+                    <a:p>
+                      <a:r>
+                        <a:rPr lang="en-US" sz="1200" dirty="0"/>
+                        <a:t>Type</a:t>
+                      </a:r>
+                    </a:p>
+                  </a:txBody>
+                  <a:tcPr/>
+                </a:tc>
+                <a:tc>
+                  <a:txBody>
+                    <a:bodyPr/>
+                    <a:lstStyle/>
+                    <a:p>
+                      <a:r>
+                        <a:rPr lang="en-US" sz="1200" dirty="0"/>
+                        <a:t>Description</a:t>
+                      </a:r>
+                    </a:p>
+                  </a:txBody>
+                  <a:tcPr/>
+                </a:tc>
+                <a:extLst>
+                  <a:ext uri="{0D108BD9-81ED-4DB2-BD59-A6C34878D82A}">
+                    <a16:rowId xmlns:a16="http://schemas.microsoft.com/office/drawing/2014/main" val="1538002940"/>
+                  </a:ext>
+                </a:extLst>
+              </a:tr>
+              <a:tr h="251158">
+                <a:tc>
+                  <a:txBody>
+                    <a:bodyPr/>
+                    <a:lstStyle/>
+                    <a:p>
+                      <a:r>
+                        <a:rPr lang="en-US" sz="1200" dirty="0"/>
+                        <a:t>$FE01</a:t>
+                      </a:r>
+                    </a:p>
+                  </a:txBody>
+                  <a:tcPr/>
+                </a:tc>
+                <a:tc>
+                  <a:txBody>
+                    <a:bodyPr/>
+                    <a:lstStyle/>
+                    <a:p>
+                      <a:r>
+                        <a:rPr lang="en-US" sz="1200" dirty="0"/>
+                        <a:t>Speed Engine</a:t>
+                      </a:r>
+                    </a:p>
+                  </a:txBody>
+                  <a:tcPr/>
+                </a:tc>
+                <a:tc>
+                  <a:txBody>
+                    <a:bodyPr/>
+                    <a:lstStyle/>
+                    <a:p>
+                      <a:r>
+                        <a:rPr lang="en-US" sz="1200" dirty="0"/>
+                        <a:t>Functional</a:t>
+                      </a:r>
+                    </a:p>
+                  </a:txBody>
+                  <a:tcPr/>
+                </a:tc>
+                <a:tc>
+                  <a:txBody>
+                    <a:bodyPr/>
+                    <a:lstStyle/>
+                    <a:p>
+                      <a:r>
+                        <a:rPr lang="en-US" sz="1200" dirty="0"/>
+                        <a:t>Verifies the speed set to the ECU.</a:t>
+                      </a:r>
+                    </a:p>
+                  </a:txBody>
+                  <a:tcPr/>
+                </a:tc>
+                <a:extLst>
+                  <a:ext uri="{0D108BD9-81ED-4DB2-BD59-A6C34878D82A}">
+                    <a16:rowId xmlns:a16="http://schemas.microsoft.com/office/drawing/2014/main" val="1049582834"/>
+                  </a:ext>
+                </a:extLst>
+              </a:tr>
+              <a:tr h="251158">
+                <a:tc>
+                  <a:txBody>
+                    <a:bodyPr/>
+                    <a:lstStyle/>
+                    <a:p>
+                      <a:r>
+                        <a:rPr lang="en-US" sz="1200" dirty="0"/>
+                        <a:t>$FE02</a:t>
+                      </a:r>
+                    </a:p>
+                  </a:txBody>
+                  <a:tcPr/>
+                </a:tc>
+                <a:tc>
+                  <a:txBody>
+                    <a:bodyPr/>
+                    <a:lstStyle/>
+                    <a:p>
+                      <a:r>
+                        <a:rPr lang="en-US" sz="1200" dirty="0"/>
+                        <a:t>Lights</a:t>
+                      </a:r>
+                    </a:p>
+                  </a:txBody>
+                  <a:tcPr/>
+                </a:tc>
+                <a:tc>
+                  <a:txBody>
+                    <a:bodyPr/>
+                    <a:lstStyle/>
+                    <a:p>
+                      <a:r>
+                        <a:rPr lang="en-US" sz="1200" dirty="0"/>
+                        <a:t>Functional</a:t>
+                      </a:r>
+                    </a:p>
+                  </a:txBody>
+                  <a:tcPr/>
+                </a:tc>
+                <a:tc>
+                  <a:txBody>
+                    <a:bodyPr/>
+                    <a:lstStyle/>
+                    <a:p>
+                      <a:r>
+                        <a:rPr lang="en-US" sz="1200" dirty="0"/>
+                        <a:t>Verifies the lights turn ON/OFF.</a:t>
+                      </a:r>
+                    </a:p>
+                  </a:txBody>
+                  <a:tcPr/>
+                </a:tc>
+                <a:extLst>
+                  <a:ext uri="{0D108BD9-81ED-4DB2-BD59-A6C34878D82A}">
+                    <a16:rowId xmlns:a16="http://schemas.microsoft.com/office/drawing/2014/main" val="909836494"/>
+                  </a:ext>
+                </a:extLst>
+              </a:tr>
+              <a:tr h="309647">
+                <a:tc>
+                  <a:txBody>
+                    <a:bodyPr/>
+                    <a:lstStyle/>
+                    <a:p>
+                      <a:r>
+                        <a:rPr lang="en-US" sz="1200" dirty="0"/>
+                        <a:t>$FE03</a:t>
+                      </a:r>
+                    </a:p>
+                  </a:txBody>
+                  <a:tcPr/>
+                </a:tc>
+                <a:tc>
+                  <a:txBody>
+                    <a:bodyPr/>
+                    <a:lstStyle/>
+                    <a:p>
+                      <a:r>
+                        <a:rPr lang="en-US" sz="1200" dirty="0"/>
+                        <a:t>Hazards</a:t>
+                      </a:r>
+                    </a:p>
+                  </a:txBody>
+                  <a:tcPr/>
+                </a:tc>
+                <a:tc>
+                  <a:txBody>
+                    <a:bodyPr/>
+                    <a:lstStyle/>
+                    <a:p>
+                      <a:r>
+                        <a:rPr lang="en-US" sz="1200" dirty="0"/>
+                        <a:t>Functional</a:t>
+                      </a:r>
+                    </a:p>
+                  </a:txBody>
+                  <a:tcPr/>
+                </a:tc>
+                <a:tc>
+                  <a:txBody>
+                    <a:bodyPr/>
+                    <a:lstStyle/>
+                    <a:p>
+                      <a:r>
+                        <a:rPr lang="en-US" sz="1200" dirty="0"/>
+                        <a:t>Verifies the hazard lights turn ON/OFF.</a:t>
+                      </a:r>
+                    </a:p>
+                  </a:txBody>
+                  <a:tcPr/>
+                </a:tc>
+                <a:extLst>
+                  <a:ext uri="{0D108BD9-81ED-4DB2-BD59-A6C34878D82A}">
+                    <a16:rowId xmlns:a16="http://schemas.microsoft.com/office/drawing/2014/main" val="2318128846"/>
+                  </a:ext>
+                </a:extLst>
+              </a:tr>
+              <a:tr h="387637">
+                <a:tc>
+                  <a:txBody>
+                    <a:bodyPr/>
+                    <a:lstStyle/>
+                    <a:p>
+                      <a:r>
+                        <a:rPr lang="en-US" sz="1200" dirty="0"/>
+                        <a:t>$FE04</a:t>
+                      </a:r>
+                    </a:p>
+                  </a:txBody>
+                  <a:tcPr/>
+                </a:tc>
+                <a:tc>
+                  <a:txBody>
+                    <a:bodyPr/>
+                    <a:lstStyle/>
+                    <a:p>
+                      <a:r>
+                        <a:rPr lang="en-US" sz="1200" dirty="0"/>
+                        <a:t>Engine Status</a:t>
+                      </a:r>
+                    </a:p>
+                  </a:txBody>
+                  <a:tcPr/>
+                </a:tc>
+                <a:tc>
+                  <a:txBody>
+                    <a:bodyPr/>
+                    <a:lstStyle/>
+                    <a:p>
+                      <a:r>
+                        <a:rPr lang="en-US" sz="1200" dirty="0"/>
+                        <a:t>Functional</a:t>
+                      </a:r>
+                    </a:p>
+                  </a:txBody>
+                  <a:tcPr/>
+                </a:tc>
+                <a:tc>
+                  <a:txBody>
+                    <a:bodyPr/>
+                    <a:lstStyle/>
+                    <a:p>
+                      <a:r>
+                        <a:rPr lang="en-US" sz="1200" dirty="0"/>
+                        <a:t>Verifies the ignition status of the engine.</a:t>
+                      </a:r>
+                    </a:p>
+                  </a:txBody>
+                  <a:tcPr/>
+                </a:tc>
+                <a:extLst>
+                  <a:ext uri="{0D108BD9-81ED-4DB2-BD59-A6C34878D82A}">
+                    <a16:rowId xmlns:a16="http://schemas.microsoft.com/office/drawing/2014/main" val="3775992701"/>
+                  </a:ext>
+                </a:extLst>
+              </a:tr>
+            </a:tbl>
+          </a:graphicData>
+        </a:graphic>
+      </p:graphicFrame>
+      <p:pic>
+        <p:nvPicPr>
+          <p:cNvPr id="8" name="Picture 7">
+            <a:extLst>
+              <a:ext uri="{FF2B5EF4-FFF2-40B4-BE49-F238E27FC236}">
+                <a16:creationId xmlns:a16="http://schemas.microsoft.com/office/drawing/2014/main" id="{509463E9-A242-4EEF-B801-2D202CEF5168}"/>
+              </a:ext>
+            </a:extLst>
+          </p:cNvPr>
+          <p:cNvPicPr>
+            <a:picLocks noChangeAspect="1"/>
+          </p:cNvPicPr>
+          <p:nvPr/>
+        </p:nvPicPr>
+        <p:blipFill>
+          <a:blip r:embed="rId2"/>
+          <a:stretch>
+            <a:fillRect/>
+          </a:stretch>
+        </p:blipFill>
         <p:spPr>
           <a:xfrm>
-            <a:off x="3175" y="6400800"/>
-            <a:ext cx="12188825" cy="457200"/>
+            <a:off x="7934437" y="1846263"/>
+            <a:ext cx="3834527" cy="1270237"/>
           </a:xfrm>
           <a:prstGeom prst="rect">
             <a:avLst/>
           </a:prstGeom>
-          <a:solidFill>
-            <a:schemeClr val="accent2"/>
-          </a:solidFill>
-          <a:ln>
-            <a:noFill/>
-          </a:ln>
         </p:spPr>
-        <p:style>
-          <a:lnRef idx="2">
-            <a:schemeClr val="accent1">
-              <a:shade val="50000"/>
-            </a:schemeClr>
-          </a:lnRef>
-          <a:fillRef idx="1">
-            <a:schemeClr val="accent1"/>
-          </a:fillRef>
-          <a:effectRef idx="0">
-            <a:schemeClr val="accent1"/>
-          </a:effectRef>
-          <a:fontRef idx="minor">
-            <a:schemeClr val="lt1"/>
-          </a:fontRef>
-        </p:style>
-      </p:sp>
-      <p:sp>
-        <p:nvSpPr>
-          <p:cNvPr id="40" name="Rectangle 28">
+      </p:pic>
+      <p:pic>
+        <p:nvPicPr>
+          <p:cNvPr id="12" name="Picture 11">
             <a:extLst>
               <a:ext uri="{FF2B5EF4-FFF2-40B4-BE49-F238E27FC236}">
-                <a16:creationId xmlns:a16="http://schemas.microsoft.com/office/drawing/2014/main" id="{39CB82C2-DF65-4EC1-8280-F201D50F570B}"/>
-              </a:ext>
-              <a:ext uri="{C183D7F6-B498-43B3-948B-1728B52AA6E4}">
-                <adec:decorative xmlns:adec="http://schemas.microsoft.com/office/drawing/2017/decorative" val="1"/>
+                <a16:creationId xmlns:a16="http://schemas.microsoft.com/office/drawing/2014/main" id="{CB6436A8-FC2F-4C90-A21F-2F7E8E940542}"/>
               </a:ext>
             </a:extLst>
           </p:cNvPr>
-          <p:cNvSpPr>
-            <a:spLocks noGrp="1" noRot="1" noChangeAspect="1" noMove="1" noResize="1" noEditPoints="1" noAdjustHandles="1" noChangeArrowheads="1" noChangeShapeType="1" noTextEdit="1"/>
-          </p:cNvSpPr>
-          <p:nvPr>
-            <p:extLst>
-              <p:ext uri="{386F3935-93C4-4BCD-93E2-E3B085C9AB24}">
-                <p16:designElem xmlns:p16="http://schemas.microsoft.com/office/powerpoint/2015/main" val="1"/>
-              </p:ext>
-            </p:extLst>
-          </p:nvPr>
-        </p:nvSpPr>
+          <p:cNvPicPr>
+            <a:picLocks noChangeAspect="1"/>
+          </p:cNvPicPr>
+          <p:nvPr/>
+        </p:nvPicPr>
+        <p:blipFill>
+          <a:blip r:embed="rId3"/>
+          <a:stretch>
+            <a:fillRect/>
+          </a:stretch>
+        </p:blipFill>
         <p:spPr>
           <a:xfrm>
-            <a:off x="15" y="6334316"/>
-            <a:ext cx="12188825" cy="64008"/>
+            <a:off x="1096962" y="4308005"/>
+            <a:ext cx="3115543" cy="1843412"/>
           </a:xfrm>
           <a:prstGeom prst="rect">
             <a:avLst/>
           </a:prstGeom>
-          <a:solidFill>
-            <a:schemeClr val="accent1"/>
-          </a:solidFill>
-          <a:ln>
-            <a:noFill/>
-          </a:ln>
         </p:spPr>
-        <p:style>
-          <a:lnRef idx="2">
-            <a:schemeClr val="accent1">
-              <a:shade val="50000"/>
-            </a:schemeClr>
-          </a:lnRef>
-          <a:fillRef idx="1">
-            <a:schemeClr val="accent1"/>
-          </a:fillRef>
-          <a:effectRef idx="0">
-            <a:schemeClr val="accent1"/>
-          </a:effectRef>
-          <a:fontRef idx="minor">
-            <a:schemeClr val="lt1"/>
-          </a:fontRef>
-        </p:style>
-      </p:sp>
-      <p:cxnSp>
-        <p:nvCxnSpPr>
-          <p:cNvPr id="41" name="Straight Connector 30">
+      </p:pic>
+      <p:pic>
+        <p:nvPicPr>
+          <p:cNvPr id="14" name="Picture 13">
             <a:extLst>
               <a:ext uri="{FF2B5EF4-FFF2-40B4-BE49-F238E27FC236}">
-                <a16:creationId xmlns:a16="http://schemas.microsoft.com/office/drawing/2014/main" id="{7E1D4427-852B-4B37-8E76-0E9F1810BA2A}"/>
-              </a:ext>
-              <a:ext uri="{C183D7F6-B498-43B3-948B-1728B52AA6E4}">
-                <adec:decorative xmlns:adec="http://schemas.microsoft.com/office/drawing/2017/decorative" val="1"/>
+                <a16:creationId xmlns:a16="http://schemas.microsoft.com/office/drawing/2014/main" id="{95648147-8E68-4D3F-8114-006B56297547}"/>
               </a:ext>
             </a:extLst>
           </p:cNvPr>
-          <p:cNvCxnSpPr>
-            <a:cxnSpLocks noGrp="1" noRot="1" noChangeAspect="1" noMove="1" noResize="1" noEditPoints="1" noAdjustHandles="1" noChangeArrowheads="1" noChangeShapeType="1"/>
-          </p:cNvCxnSpPr>
-          <p:nvPr>
-            <p:extLst>
-              <p:ext uri="{386F3935-93C4-4BCD-93E2-E3B085C9AB24}">
-                <p16:designElem xmlns:p16="http://schemas.microsoft.com/office/powerpoint/2015/main" val="1"/>
-              </p:ext>
-            </p:extLst>
-          </p:nvPr>
-        </p:nvCxnSpPr>
+          <p:cNvPicPr>
+            <a:picLocks noChangeAspect="1"/>
+          </p:cNvPicPr>
+          <p:nvPr/>
+        </p:nvPicPr>
+        <p:blipFill>
+          <a:blip r:embed="rId4"/>
+          <a:stretch>
+            <a:fillRect/>
+          </a:stretch>
+        </p:blipFill>
         <p:spPr>
           <a:xfrm>
-            <a:off x="1207658" y="4343400"/>
-            <a:ext cx="9875520" cy="0"/>
-          </a:xfrm>
-          <a:prstGeom prst="line">
-            <a:avLst/>
-          </a:prstGeom>
-          <a:ln w="6350">
-            <a:solidFill>
-              <a:schemeClr val="tx1">
-                <a:lumMod val="50000"/>
-                <a:lumOff val="50000"/>
-              </a:schemeClr>
-            </a:solidFill>
-          </a:ln>
-        </p:spPr>
-        <p:style>
-          <a:lnRef idx="1">
-            <a:schemeClr val="accent1"/>
-          </a:lnRef>
-          <a:fillRef idx="0">
-            <a:schemeClr val="accent1"/>
-          </a:fillRef>
-          <a:effectRef idx="0">
-            <a:schemeClr val="accent1"/>
-          </a:effectRef>
-          <a:fontRef idx="minor">
-            <a:schemeClr val="tx1"/>
-          </a:fontRef>
-        </p:style>
-      </p:cxnSp>
-      <p:sp useBgFill="1">
-        <p:nvSpPr>
-          <p:cNvPr id="42" name="Rectangle 32">
-            <a:extLst>
-              <a:ext uri="{FF2B5EF4-FFF2-40B4-BE49-F238E27FC236}">
-                <a16:creationId xmlns:a16="http://schemas.microsoft.com/office/drawing/2014/main" id="{FA4CD5CB-D209-4D70-8CA4-629731C59219}"/>
-              </a:ext>
-              <a:ext uri="{C183D7F6-B498-43B3-948B-1728B52AA6E4}">
-                <adec:decorative xmlns:adec="http://schemas.microsoft.com/office/drawing/2017/decorative" val="1"/>
-              </a:ext>
-            </a:extLst>
-          </p:cNvPr>
-          <p:cNvSpPr>
-            <a:spLocks noGrp="1" noRot="1" noChangeAspect="1" noMove="1" noResize="1" noEditPoints="1" noAdjustHandles="1" noChangeArrowheads="1" noChangeShapeType="1" noTextEdit="1"/>
-          </p:cNvSpPr>
-          <p:nvPr>
-            <p:extLst>
-              <p:ext uri="{386F3935-93C4-4BCD-93E2-E3B085C9AB24}">
-                <p16:designElem xmlns:p16="http://schemas.microsoft.com/office/powerpoint/2015/main" val="1"/>
-              </p:ext>
-            </p:extLst>
-          </p:nvPr>
-        </p:nvSpPr>
-        <p:spPr>
-          <a:xfrm>
-            <a:off x="0" y="0"/>
-            <a:ext cx="12192001" cy="6334316"/>
+            <a:off x="7837162" y="4122592"/>
+            <a:ext cx="4029075" cy="2028825"/>
           </a:xfrm>
           <a:prstGeom prst="rect">
             <a:avLst/>
           </a:prstGeom>
-          <a:ln>
-            <a:noFill/>
-          </a:ln>
+        </p:spPr>
+      </p:pic>
+      <p:pic>
+        <p:nvPicPr>
+          <p:cNvPr id="18" name="Picture 17">
+            <a:extLst>
+              <a:ext uri="{FF2B5EF4-FFF2-40B4-BE49-F238E27FC236}">
+                <a16:creationId xmlns:a16="http://schemas.microsoft.com/office/drawing/2014/main" id="{1E8AD055-E860-41CD-A451-102AC9CBE28B}"/>
+              </a:ext>
+            </a:extLst>
+          </p:cNvPr>
+          <p:cNvPicPr>
+            <a:picLocks noChangeAspect="1"/>
+          </p:cNvPicPr>
+          <p:nvPr/>
+        </p:nvPicPr>
+        <p:blipFill>
+          <a:blip r:embed="rId5"/>
+          <a:stretch>
+            <a:fillRect/>
+          </a:stretch>
+        </p:blipFill>
+        <p:spPr>
+          <a:xfrm>
+            <a:off x="4574089" y="4304528"/>
+            <a:ext cx="2901489" cy="1846889"/>
+          </a:xfrm>
+          <a:prstGeom prst="rect">
+            <a:avLst/>
+          </a:prstGeom>
+        </p:spPr>
+      </p:pic>
+      <p:sp>
+        <p:nvSpPr>
+          <p:cNvPr id="20" name="Rectangle: Rounded Corners 19">
+            <a:extLst>
+              <a:ext uri="{FF2B5EF4-FFF2-40B4-BE49-F238E27FC236}">
+                <a16:creationId xmlns:a16="http://schemas.microsoft.com/office/drawing/2014/main" id="{152C79E5-831A-4990-A932-0FE7828E0156}"/>
+              </a:ext>
+            </a:extLst>
+          </p:cNvPr>
+          <p:cNvSpPr/>
+          <p:nvPr/>
+        </p:nvSpPr>
+        <p:spPr>
+          <a:xfrm>
+            <a:off x="3252355" y="3782291"/>
+            <a:ext cx="1932709" cy="340301"/>
+          </a:xfrm>
+          <a:prstGeom prst="roundRect">
+            <a:avLst/>
+          </a:prstGeom>
+          <a:solidFill>
+            <a:srgbClr val="FFFF00"/>
+          </a:solidFill>
         </p:spPr>
         <p:style>
           <a:lnRef idx="2">
@@ -7778,181 +8102,44 @@
           <a:lstStyle/>
           <a:p>
             <a:pPr algn="ctr"/>
-            <a:endParaRPr lang="en-US"/>
+            <a:r>
+              <a:rPr lang="en-US" sz="1000" dirty="0">
+                <a:solidFill>
+                  <a:schemeClr val="tx1"/>
+                </a:solidFill>
+              </a:rPr>
+              <a:t>System capable to show PASS/FAIL criteria</a:t>
+            </a:r>
           </a:p>
         </p:txBody>
       </p:sp>
       <p:sp>
         <p:nvSpPr>
-          <p:cNvPr id="2" name="Title 1">
+          <p:cNvPr id="21" name="Speech Bubble: Rectangle with Corners Rounded 20">
             <a:extLst>
               <a:ext uri="{FF2B5EF4-FFF2-40B4-BE49-F238E27FC236}">
-                <a16:creationId xmlns:a16="http://schemas.microsoft.com/office/drawing/2014/main" id="{89D2CC4D-1A96-49B3-870C-44635F91525C}"/>
+                <a16:creationId xmlns:a16="http://schemas.microsoft.com/office/drawing/2014/main" id="{DF2E3F4A-2791-4987-AF06-3EA2A8B13B17}"/>
               </a:ext>
             </a:extLst>
           </p:cNvPr>
-          <p:cNvSpPr>
-            <a:spLocks noGrp="1"/>
-          </p:cNvSpPr>
-          <p:nvPr>
-            <p:ph type="title"/>
-          </p:nvPr>
+          <p:cNvSpPr/>
+          <p:nvPr/>
         </p:nvSpPr>
         <p:spPr>
           <a:xfrm>
-            <a:off x="8141110" y="639097"/>
-            <a:ext cx="3401961" cy="3686015"/>
+            <a:off x="10478012" y="3267740"/>
+            <a:ext cx="1388225" cy="340301"/>
           </a:xfrm>
-        </p:spPr>
-        <p:txBody>
-          <a:bodyPr vert="horz" lIns="91440" tIns="45720" rIns="91440" bIns="45720" rtlCol="0" anchor="b">
-            <a:normAutofit/>
-          </a:bodyPr>
-          <a:lstStyle/>
-          <a:p>
-            <a:r>
-              <a:rPr lang="en-US" sz="6600">
-                <a:solidFill>
-                  <a:schemeClr val="tx1">
-                    <a:lumMod val="85000"/>
-                    <a:lumOff val="15000"/>
-                  </a:schemeClr>
-                </a:solidFill>
-              </a:rPr>
-              <a:t>VI. Project Picture</a:t>
-            </a:r>
-            <a:endParaRPr lang="en-US" sz="6600" dirty="0">
-              <a:solidFill>
-                <a:schemeClr val="tx1">
-                  <a:lumMod val="85000"/>
-                  <a:lumOff val="15000"/>
-                </a:schemeClr>
-              </a:solidFill>
-            </a:endParaRPr>
-          </a:p>
-        </p:txBody>
-      </p:sp>
-      <p:pic>
-        <p:nvPicPr>
-          <p:cNvPr id="5" name="Picture 4">
-            <a:extLst>
-              <a:ext uri="{FF2B5EF4-FFF2-40B4-BE49-F238E27FC236}">
-                <a16:creationId xmlns:a16="http://schemas.microsoft.com/office/drawing/2014/main" id="{EBBB8815-80C3-4437-B86D-69A3716CB454}"/>
-              </a:ext>
-            </a:extLst>
-          </p:cNvPr>
-          <p:cNvPicPr>
-            <a:picLocks noChangeAspect="1"/>
-          </p:cNvPicPr>
-          <p:nvPr/>
-        </p:nvPicPr>
-        <p:blipFill>
-          <a:blip r:embed="rId2"/>
-          <a:stretch>
-            <a:fillRect/>
-          </a:stretch>
-        </p:blipFill>
-        <p:spPr>
-          <a:xfrm>
-            <a:off x="410775" y="661479"/>
-            <a:ext cx="7472003" cy="5417202"/>
-          </a:xfrm>
-          <a:prstGeom prst="rect">
-            <a:avLst/>
-          </a:prstGeom>
-        </p:spPr>
-      </p:pic>
-      <p:cxnSp>
-        <p:nvCxnSpPr>
-          <p:cNvPr id="43" name="Straight Connector 34">
-            <a:extLst>
-              <a:ext uri="{FF2B5EF4-FFF2-40B4-BE49-F238E27FC236}">
-                <a16:creationId xmlns:a16="http://schemas.microsoft.com/office/drawing/2014/main" id="{5C6A2BAE-B461-4B55-8E1F-0722ABDD1393}"/>
-              </a:ext>
-              <a:ext uri="{C183D7F6-B498-43B3-948B-1728B52AA6E4}">
-                <adec:decorative xmlns:adec="http://schemas.microsoft.com/office/drawing/2017/decorative" val="1"/>
-              </a:ext>
-            </a:extLst>
-          </p:cNvPr>
-          <p:cNvCxnSpPr>
-            <a:cxnSpLocks noGrp="1" noRot="1" noChangeAspect="1" noMove="1" noResize="1" noEditPoints="1" noAdjustHandles="1" noChangeArrowheads="1" noChangeShapeType="1"/>
-          </p:cNvCxnSpPr>
-          <p:nvPr>
-            <p:extLst>
-              <p:ext uri="{386F3935-93C4-4BCD-93E2-E3B085C9AB24}">
-                <p16:designElem xmlns:p16="http://schemas.microsoft.com/office/powerpoint/2015/main" val="1"/>
-              </p:ext>
-            </p:extLst>
-          </p:nvPr>
-        </p:nvCxnSpPr>
-        <p:spPr>
-          <a:xfrm>
-            <a:off x="8209305" y="4343400"/>
-            <a:ext cx="3200400" cy="0"/>
-          </a:xfrm>
-          <a:prstGeom prst="line">
-            <a:avLst/>
-          </a:prstGeom>
-          <a:ln w="6350">
-            <a:solidFill>
-              <a:schemeClr val="tx2">
-                <a:alpha val="90000"/>
-              </a:schemeClr>
-            </a:solidFill>
-          </a:ln>
-        </p:spPr>
-        <p:style>
-          <a:lnRef idx="1">
-            <a:schemeClr val="accent1"/>
-          </a:lnRef>
-          <a:fillRef idx="0">
-            <a:schemeClr val="accent1"/>
-          </a:fillRef>
-          <a:effectRef idx="0">
-            <a:schemeClr val="accent1"/>
-          </a:effectRef>
-          <a:fontRef idx="minor">
-            <a:schemeClr val="tx1"/>
-          </a:fontRef>
-        </p:style>
-      </p:cxnSp>
-      <p:sp>
-        <p:nvSpPr>
-          <p:cNvPr id="37" name="Rectangle 36">
-            <a:extLst>
-              <a:ext uri="{FF2B5EF4-FFF2-40B4-BE49-F238E27FC236}">
-                <a16:creationId xmlns:a16="http://schemas.microsoft.com/office/drawing/2014/main" id="{B4C27B90-DF2B-4D00-BA07-18ED774CD2F1}"/>
-              </a:ext>
-              <a:ext uri="{C183D7F6-B498-43B3-948B-1728B52AA6E4}">
-                <adec:decorative xmlns:adec="http://schemas.microsoft.com/office/drawing/2017/decorative" val="1"/>
-              </a:ext>
-            </a:extLst>
-          </p:cNvPr>
-          <p:cNvSpPr>
-            <a:spLocks noGrp="1" noRot="1" noChangeAspect="1" noMove="1" noResize="1" noEditPoints="1" noAdjustHandles="1" noChangeArrowheads="1" noChangeShapeType="1" noTextEdit="1"/>
-          </p:cNvSpPr>
-          <p:nvPr>
-            <p:extLst>
-              <p:ext uri="{386F3935-93C4-4BCD-93E2-E3B085C9AB24}">
-                <p16:designElem xmlns:p16="http://schemas.microsoft.com/office/powerpoint/2015/main" val="1"/>
-              </p:ext>
-            </p:extLst>
-          </p:nvPr>
-        </p:nvSpPr>
-        <p:spPr>
-          <a:xfrm>
-            <a:off x="15" y="6334316"/>
-            <a:ext cx="12191985" cy="66484"/>
-          </a:xfrm>
-          <a:prstGeom prst="rect">
-            <a:avLst/>
+          <a:prstGeom prst="wedgeRoundRectCallout">
+            <a:avLst>
+              <a:gd name="adj1" fmla="val -106911"/>
+              <a:gd name="adj2" fmla="val -90172"/>
+              <a:gd name="adj3" fmla="val 16667"/>
+            </a:avLst>
           </a:prstGeom>
           <a:solidFill>
-            <a:schemeClr val="accent1"/>
+            <a:srgbClr val="FFFF00"/>
           </a:solidFill>
-          <a:ln>
-            <a:noFill/>
-          </a:ln>
         </p:spPr>
         <p:style>
           <a:lnRef idx="2">
@@ -7970,44 +8157,49 @@
             <a:schemeClr val="lt1"/>
           </a:fontRef>
         </p:style>
+        <p:txBody>
+          <a:bodyPr rtlCol="0" anchor="ctr"/>
+          <a:lstStyle/>
+          <a:p>
+            <a:pPr algn="ctr"/>
+            <a:r>
+              <a:rPr lang="en-US" sz="1000" dirty="0">
+                <a:solidFill>
+                  <a:schemeClr val="tx1"/>
+                </a:solidFill>
+              </a:rPr>
+              <a:t>All 4 Test Modes covered.</a:t>
+            </a:r>
+          </a:p>
+        </p:txBody>
       </p:sp>
       <p:sp>
         <p:nvSpPr>
-          <p:cNvPr id="39" name="Rectangle 38">
+          <p:cNvPr id="22" name="Speech Bubble: Rectangle with Corners Rounded 21">
             <a:extLst>
               <a:ext uri="{FF2B5EF4-FFF2-40B4-BE49-F238E27FC236}">
-                <a16:creationId xmlns:a16="http://schemas.microsoft.com/office/drawing/2014/main" id="{593ACC25-C262-417A-8AA9-0641C772BDB6}"/>
-              </a:ext>
-              <a:ext uri="{C183D7F6-B498-43B3-948B-1728B52AA6E4}">
-                <adec:decorative xmlns:adec="http://schemas.microsoft.com/office/drawing/2017/decorative" val="1"/>
+                <a16:creationId xmlns:a16="http://schemas.microsoft.com/office/drawing/2014/main" id="{FE2B31E4-6ACA-439E-BF8A-F38E0E550B2A}"/>
               </a:ext>
             </a:extLst>
           </p:cNvPr>
-          <p:cNvSpPr>
-            <a:spLocks noGrp="1" noRot="1" noChangeAspect="1" noMove="1" noResize="1" noEditPoints="1" noAdjustHandles="1" noChangeArrowheads="1" noChangeShapeType="1" noTextEdit="1"/>
-          </p:cNvSpPr>
-          <p:nvPr>
-            <p:extLst>
-              <p:ext uri="{386F3935-93C4-4BCD-93E2-E3B085C9AB24}">
-                <p16:designElem xmlns:p16="http://schemas.microsoft.com/office/powerpoint/2015/main" val="1"/>
-              </p:ext>
-            </p:extLst>
-          </p:nvPr>
+          <p:cNvSpPr/>
+          <p:nvPr/>
         </p:nvSpPr>
         <p:spPr>
           <a:xfrm>
-            <a:off x="1" y="6400800"/>
-            <a:ext cx="12192000" cy="457200"/>
+            <a:off x="7710055" y="3608041"/>
+            <a:ext cx="1475509" cy="340301"/>
           </a:xfrm>
-          <a:prstGeom prst="rect">
-            <a:avLst/>
+          <a:prstGeom prst="wedgeRoundRectCallout">
+            <a:avLst>
+              <a:gd name="adj1" fmla="val 53815"/>
+              <a:gd name="adj2" fmla="val 105248"/>
+              <a:gd name="adj3" fmla="val 16667"/>
+            </a:avLst>
           </a:prstGeom>
           <a:solidFill>
-            <a:schemeClr val="accent2"/>
+            <a:srgbClr val="FFFF00"/>
           </a:solidFill>
-          <a:ln>
-            <a:noFill/>
-          </a:ln>
         </p:spPr>
         <p:style>
           <a:lnRef idx="2">
@@ -8025,11 +8217,26 @@
             <a:schemeClr val="lt1"/>
           </a:fontRef>
         </p:style>
+        <p:txBody>
+          <a:bodyPr rtlCol="0" anchor="ctr"/>
+          <a:lstStyle/>
+          <a:p>
+            <a:pPr algn="ctr"/>
+            <a:r>
+              <a:rPr lang="en-US" sz="1000" dirty="0">
+                <a:solidFill>
+                  <a:schemeClr val="tx1"/>
+                </a:solidFill>
+              </a:rPr>
+              <a:t>Signals behavior during test execution</a:t>
+            </a:r>
+          </a:p>
+        </p:txBody>
       </p:sp>
     </p:spTree>
     <p:extLst>
       <p:ext uri="{BB962C8B-B14F-4D97-AF65-F5344CB8AC3E}">
-        <p14:creationId xmlns:p14="http://schemas.microsoft.com/office/powerpoint/2010/main" val="222737763"/>
+        <p14:creationId xmlns:p14="http://schemas.microsoft.com/office/powerpoint/2010/main" val="2597470247"/>
       </p:ext>
     </p:extLst>
   </p:cSld>
@@ -8449,7 +8656,7 @@
             </a:pPr>
             <a:r>
               <a:rPr lang="en-US" sz="2400" dirty="0"/>
-              <a:t>Project Picture.</a:t>
+              <a:t>Results.</a:t>
             </a:r>
           </a:p>
           <a:p>
